--- a/NMCT3-ONO-ROBOT-Project/project docs/ONO_ROBOT_Presentatie.pptx
+++ b/NMCT3-ONO-ROBOT-Project/project docs/ONO_ROBOT_Presentatie.pptx
@@ -1489,7 +1489,7 @@
           <a:p>
             <a:fld id="{276C55F9-B2FE-49E7-BF03-AE7C8BACD5D0}" type="slidenum">
               <a:rPr lang="nl-BE" smtClean="0"/>
-              <a:t>‹nr.›</a:t>
+              <a:t>‹#›</a:t>
             </a:fld>
             <a:endParaRPr lang="nl-BE"/>
           </a:p>
@@ -1659,7 +1659,7 @@
           <a:p>
             <a:fld id="{276C55F9-B2FE-49E7-BF03-AE7C8BACD5D0}" type="slidenum">
               <a:rPr lang="nl-BE" smtClean="0"/>
-              <a:t>‹nr.›</a:t>
+              <a:t>‹#›</a:t>
             </a:fld>
             <a:endParaRPr lang="nl-BE"/>
           </a:p>
@@ -1905,7 +1905,7 @@
           <a:p>
             <a:fld id="{276C55F9-B2FE-49E7-BF03-AE7C8BACD5D0}" type="slidenum">
               <a:rPr lang="nl-BE" smtClean="0"/>
-              <a:t>‹nr.›</a:t>
+              <a:t>‹#›</a:t>
             </a:fld>
             <a:endParaRPr lang="nl-BE"/>
           </a:p>
@@ -7988,23 +7988,28 @@
           </a:bodyPr>
           <a:lstStyle/>
           <a:p>
+            <a:pPr lvl="1">
+              <a:buNone/>
+            </a:pPr>
+            <a:endParaRPr lang="nl-BE" dirty="0"/>
+          </a:p>
+          <a:p>
             <a:pPr lvl="1"/>
             <a:r>
               <a:rPr lang="nl-BE" dirty="0"/>
-              <a:t> Tweets ophalen</a:t>
+              <a:t>Tweets ophalen</a:t>
             </a:r>
+          </a:p>
+          <a:p>
+            <a:pPr lvl="1"/>
+            <a:endParaRPr lang="nl-BE" dirty="0"/>
           </a:p>
           <a:p>
             <a:pPr lvl="1"/>
             <a:r>
               <a:rPr lang="nl-BE" dirty="0"/>
-              <a:t> Afspelen geluid / </a:t>
+              <a:t> Afspelen geluid / emoticons</a:t>
             </a:r>
-            <a:r>
-              <a:rPr lang="nl-BE" dirty="0" err="1"/>
-              <a:t>emoticons</a:t>
-            </a:r>
-            <a:endParaRPr lang="nl-BE" dirty="0"/>
           </a:p>
           <a:p>
             <a:pPr>
@@ -8048,7 +8053,7 @@
         </p:blipFill>
         <p:spPr>
           <a:xfrm>
-            <a:off x="1375233" y="3277100"/>
+            <a:off x="1375233" y="4124388"/>
             <a:ext cx="4143375" cy="752475"/>
           </a:xfrm>
           <a:prstGeom prst="rect">
@@ -8125,24 +8130,31 @@
           </a:bodyPr>
           <a:lstStyle/>
           <a:p>
+            <a:pPr>
+              <a:buNone/>
+            </a:pPr>
+            <a:r>
+              <a:rPr lang="nl-BE" dirty="0"/>
+              <a:t> </a:t>
+            </a:r>
+          </a:p>
+          <a:p>
             <a:r>
               <a:rPr lang="nl-BE" dirty="0"/>
               <a:t> Ophalen van data.</a:t>
             </a:r>
           </a:p>
           <a:p>
+            <a:endParaRPr lang="nl-BE" dirty="0"/>
+          </a:p>
+          <a:p>
             <a:r>
               <a:rPr lang="nl-BE" dirty="0"/>
-              <a:t> </a:t>
+              <a:t> Posts, pages, video’s</a:t>
             </a:r>
-            <a:r>
-              <a:rPr lang="nl-BE" dirty="0" err="1"/>
-              <a:t>Posts</a:t>
-            </a:r>
-            <a:r>
-              <a:rPr lang="nl-BE" dirty="0"/>
-              <a:t>, pages, video’s</a:t>
-            </a:r>
+          </a:p>
+          <a:p>
+            <a:endParaRPr lang="nl-BE" dirty="0"/>
           </a:p>
           <a:p>
             <a:r>
@@ -8167,34 +8179,6 @@
           </a:p>
         </p:txBody>
       </p:sp>
-      <p:pic>
-        <p:nvPicPr>
-          <p:cNvPr id="4" name="Tijdelijke aanduiding voor inhoud 3"/>
-          <p:cNvPicPr>
-            <a:picLocks noChangeAspect="1"/>
-          </p:cNvPicPr>
-          <p:nvPr/>
-        </p:nvPicPr>
-        <p:blipFill>
-          <a:blip r:embed="rId2"/>
-          <a:stretch>
-            <a:fillRect/>
-          </a:stretch>
-        </p:blipFill>
-        <p:spPr>
-          <a:xfrm>
-            <a:off x="1859738" y="3743429"/>
-            <a:ext cx="4945952" cy="2459037"/>
-          </a:xfrm>
-          <a:prstGeom prst="rect">
-            <a:avLst/>
-          </a:prstGeom>
-          <a:noFill/>
-          <a:ln>
-            <a:noFill/>
-          </a:ln>
-        </p:spPr>
-      </p:pic>
       <p:pic>
         <p:nvPicPr>
           <p:cNvPr id="5" name="Afbeelding 4"/>
@@ -8204,7 +8188,7 @@
           <p:nvPr/>
         </p:nvPicPr>
         <p:blipFill>
-          <a:blip r:embed="rId3">
+          <a:blip r:embed="rId2">
             <a:extLst>
               <a:ext uri="{28A0092B-C50C-407E-A947-70E740481C1C}">
                 <a14:useLocalDpi xmlns:a14="http://schemas.microsoft.com/office/drawing/2010/main" val="0"/>
@@ -8217,8 +8201,8 @@
         </p:blipFill>
         <p:spPr>
           <a:xfrm>
-            <a:off x="8791650" y="230105"/>
-            <a:ext cx="3400350" cy="3217283"/>
+            <a:off x="8003097" y="2917876"/>
+            <a:ext cx="4188903" cy="3963382"/>
           </a:xfrm>
           <a:prstGeom prst="rect">
             <a:avLst/>
@@ -8234,7 +8218,7 @@
           <p:nvPr/>
         </p:nvPicPr>
         <p:blipFill>
-          <a:blip r:embed="rId4">
+          <a:blip r:embed="rId3">
             <a:extLst>
               <a:ext uri="{28A0092B-C50C-407E-A947-70E740481C1C}">
                 <a14:useLocalDpi xmlns:a14="http://schemas.microsoft.com/office/drawing/2010/main" val="0"/>
@@ -8248,7 +8232,7 @@
         </p:blipFill>
         <p:spPr bwMode="auto">
           <a:xfrm>
-            <a:off x="5048170" y="701833"/>
+            <a:off x="8676959" y="9028"/>
             <a:ext cx="3515041" cy="2273825"/>
           </a:xfrm>
           <a:prstGeom prst="rect">
@@ -8333,19 +8317,37 @@
           <a:bodyPr/>
           <a:lstStyle/>
           <a:p>
+            <a:endParaRPr lang="nl-BE" dirty="0"/>
+          </a:p>
+          <a:p>
             <a:r>
               <a:rPr lang="nl-BE" dirty="0"/>
-              <a:t>Te laat mee begonnen</a:t>
+              <a:t> Tussendoor &amp; op robot</a:t>
             </a:r>
           </a:p>
           <a:p>
+            <a:pPr>
+              <a:buNone/>
+            </a:pPr>
             <a:r>
               <a:rPr lang="nl-BE" dirty="0"/>
-              <a:t>Belangrijker of gedacht</a:t>
+              <a:t> </a:t>
             </a:r>
           </a:p>
           <a:p>
+            <a:r>
+              <a:rPr lang="nl-BE" dirty="0"/>
+              <a:t> Woensdagavond bugs creëeren </a:t>
+            </a:r>
+          </a:p>
+          <a:p>
             <a:endParaRPr lang="nl-BE" dirty="0"/>
+          </a:p>
+          <a:p>
+            <a:r>
+              <a:rPr lang="nl-BE" dirty="0"/>
+              <a:t> Onderschat, niet diep genoeg getest</a:t>
+            </a:r>
           </a:p>
         </p:txBody>
       </p:sp>
@@ -8416,7 +8418,22 @@
           <a:bodyPr/>
           <a:lstStyle/>
           <a:p>
-            <a:endParaRPr lang="nl-BE"/>
+            <a:endParaRPr lang="nl-BE" dirty="0"/>
+          </a:p>
+          <a:p>
+            <a:r>
+              <a:rPr lang="nl-BE" dirty="0"/>
+              <a:t>GitHub, elke avond mergen</a:t>
+            </a:r>
+          </a:p>
+          <a:p>
+            <a:endParaRPr lang="nl-BE" dirty="0"/>
+          </a:p>
+          <a:p>
+            <a:r>
+              <a:rPr lang="nl-BE" dirty="0"/>
+              <a:t>Woensdagen via ftp op robot</a:t>
+            </a:r>
           </a:p>
         </p:txBody>
       </p:sp>
@@ -8566,16 +8583,25 @@
           <a:bodyPr/>
           <a:lstStyle/>
           <a:p>
+            <a:endParaRPr lang="nl-BE" dirty="0"/>
+          </a:p>
+          <a:p>
             <a:r>
               <a:rPr lang="nl-BE" dirty="0"/>
               <a:t>Te veel willen doen</a:t>
             </a:r>
           </a:p>
           <a:p>
+            <a:endParaRPr lang="nl-BE" dirty="0"/>
+          </a:p>
+          <a:p>
             <a:r>
               <a:rPr lang="nl-BE" dirty="0"/>
               <a:t>Geen duidelijke planning (tot week 3)</a:t>
             </a:r>
+          </a:p>
+          <a:p>
+            <a:endParaRPr lang="nl-BE" dirty="0"/>
           </a:p>
           <a:p>
             <a:r>
@@ -12496,69 +12522,34 @@
           <a:bodyPr/>
           <a:lstStyle/>
           <a:p>
+            <a:endParaRPr lang="nl-BE" dirty="0"/>
+          </a:p>
+          <a:p>
             <a:r>
               <a:rPr lang="nl-BE" dirty="0"/>
-              <a:t>Arno Vande Cappelle (</a:t>
+              <a:t>Arno Vande Cappelle (Tweader, back-end Facebook)</a:t>
             </a:r>
+          </a:p>
+          <a:p>
+            <a:endParaRPr lang="nl-BE" dirty="0"/>
+          </a:p>
+          <a:p>
             <a:r>
-              <a:rPr lang="nl-BE" dirty="0" err="1"/>
-              <a:t>Tweader</a:t>
+              <a:rPr lang="nl-BE" dirty="0"/>
+              <a:t>Thibaud Vander Syppe (Blockly, front-end)</a:t>
+            </a:r>
+          </a:p>
+          <a:p>
+            <a:endParaRPr lang="nl-BE" dirty="0"/>
+          </a:p>
+          <a:p>
+            <a:r>
+              <a:rPr lang="nl-BE" dirty="0"/>
+              <a:t>Auguste Van Nieuwenhuyzen (Tweader, Facebook</a:t>
             </a:r>
             <a:r>
               <a:rPr lang="nl-BE" dirty="0"/>
-              <a:t>, backend Facebook)</a:t>
-            </a:r>
-          </a:p>
-          <a:p>
-            <a:r>
-              <a:rPr lang="nl-BE" dirty="0" err="1"/>
-              <a:t>Thibaud</a:t>
-            </a:r>
-            <a:r>
-              <a:rPr lang="nl-BE" dirty="0"/>
-              <a:t> Vander </a:t>
-            </a:r>
-            <a:r>
-              <a:rPr lang="nl-BE" dirty="0" err="1"/>
-              <a:t>Syppe</a:t>
-            </a:r>
-            <a:r>
-              <a:rPr lang="nl-BE" dirty="0"/>
-              <a:t> (</a:t>
-            </a:r>
-            <a:r>
-              <a:rPr lang="nl-BE" dirty="0" err="1"/>
-              <a:t>Blockly</a:t>
-            </a:r>
-            <a:r>
-              <a:rPr lang="nl-BE" dirty="0"/>
-              <a:t>, </a:t>
-            </a:r>
-            <a:r>
-              <a:rPr lang="nl-BE" dirty="0" err="1"/>
-              <a:t>frontend</a:t>
-            </a:r>
-            <a:r>
-              <a:rPr lang="nl-BE" dirty="0"/>
-              <a:t>)</a:t>
-            </a:r>
-          </a:p>
-          <a:p>
-            <a:r>
-              <a:rPr lang="nl-BE" dirty="0"/>
-              <a:t>Auguste Van </a:t>
-            </a:r>
-            <a:r>
-              <a:rPr lang="nl-BE" dirty="0" err="1"/>
-              <a:t>Nieuwenhuyzen</a:t>
-            </a:r>
-            <a:r>
-              <a:rPr lang="nl-BE" dirty="0"/>
-              <a:t> (Facebook, </a:t>
-            </a:r>
-            <a:r>
-              <a:rPr lang="nl-BE" dirty="0" err="1"/>
-              <a:t>frontend</a:t>
+              <a:t> front-end</a:t>
             </a:r>
             <a:r>
               <a:rPr lang="nl-BE" dirty="0"/>
@@ -12871,25 +12862,30 @@
           <a:bodyPr/>
           <a:lstStyle/>
           <a:p>
+            <a:endParaRPr lang="nl-BE" dirty="0"/>
+          </a:p>
+          <a:p>
             <a:r>
               <a:rPr lang="nl-BE" dirty="0"/>
               <a:t>Twitter</a:t>
             </a:r>
           </a:p>
           <a:p>
+            <a:endParaRPr lang="nl-BE" dirty="0"/>
+          </a:p>
+          <a:p>
             <a:r>
               <a:rPr lang="nl-BE" dirty="0"/>
               <a:t>Facebook</a:t>
             </a:r>
           </a:p>
           <a:p>
-            <a:r>
-              <a:rPr lang="nl-BE" dirty="0" err="1"/>
-              <a:t>Blockly</a:t>
-            </a:r>
+            <a:endParaRPr lang="nl-BE" dirty="0"/>
+          </a:p>
+          <a:p>
             <a:r>
               <a:rPr lang="nl-BE" dirty="0"/>
-              <a:t> extensie</a:t>
+              <a:t>Blockly extensie</a:t>
             </a:r>
           </a:p>
         </p:txBody>
@@ -13271,7 +13267,7 @@
         </p:blipFill>
         <p:spPr bwMode="auto">
           <a:xfrm>
-            <a:off x="1178745" y="2440567"/>
+            <a:off x="1712177" y="3027796"/>
             <a:ext cx="2703840" cy="909823"/>
           </a:xfrm>
           <a:prstGeom prst="rect">
@@ -13311,7 +13307,7 @@
         </p:blipFill>
         <p:spPr>
           <a:xfrm>
-            <a:off x="3158376" y="3781058"/>
+            <a:off x="4898502" y="3425876"/>
             <a:ext cx="1448418" cy="1448418"/>
           </a:xfrm>
           <a:prstGeom prst="rect">
@@ -13341,7 +13337,7 @@
         </p:blipFill>
         <p:spPr>
           <a:xfrm>
-            <a:off x="5215433" y="4031816"/>
+            <a:off x="2655844" y="4208808"/>
             <a:ext cx="1197660" cy="1197660"/>
           </a:xfrm>
           <a:prstGeom prst="rect">
@@ -13494,6 +13490,9 @@
           </a:bodyPr>
           <a:lstStyle/>
           <a:p>
+            <a:endParaRPr lang="nl-BE" dirty="0"/>
+          </a:p>
+          <a:p>
             <a:r>
               <a:rPr lang="nl-BE" dirty="0"/>
               <a:t>Features</a:t>
@@ -13501,22 +13500,25 @@
           </a:p>
           <a:p>
             <a:pPr lvl="3"/>
-            <a:r>
-              <a:rPr lang="nl-BE" dirty="0"/>
-              <a:t>Inlezen/ afspelen tweets</a:t>
-            </a:r>
+            <a:endParaRPr lang="nl-BE" dirty="0"/>
           </a:p>
           <a:p>
             <a:pPr lvl="3"/>
             <a:r>
               <a:rPr lang="nl-BE" dirty="0"/>
-              <a:t>Uitbeelden </a:t>
+              <a:t>Inlezen / afspelen tweets</a:t>
             </a:r>
+          </a:p>
+          <a:p>
+            <a:pPr lvl="3"/>
+            <a:endParaRPr lang="nl-BE" dirty="0"/>
+          </a:p>
+          <a:p>
+            <a:pPr lvl="3"/>
             <a:r>
-              <a:rPr lang="nl-BE" dirty="0" err="1"/>
-              <a:t>emoticons</a:t>
+              <a:rPr lang="nl-BE" dirty="0"/>
+              <a:t>Uitbeelden emoticons</a:t>
             </a:r>
-            <a:endParaRPr lang="nl-BE" dirty="0"/>
           </a:p>
           <a:p>
             <a:endParaRPr lang="nl-BE" dirty="0"/>

--- a/NMCT3-ONO-ROBOT-Project/project docs/ONO_ROBOT_Presentatie.pptx
+++ b/NMCT3-ONO-ROBOT-Project/project docs/ONO_ROBOT_Presentatie.pptx
@@ -8663,6 +8663,1332 @@
           </a:p>
         </p:txBody>
       </p:sp>
+      <p:graphicFrame>
+        <p:nvGraphicFramePr>
+          <p:cNvPr id="3" name="Table 2"/>
+          <p:cNvGraphicFramePr>
+            <a:graphicFrameLocks noGrp="1"/>
+          </p:cNvGraphicFramePr>
+          <p:nvPr>
+            <p:extLst>
+              <p:ext uri="{D42A27DB-BD31-4B8C-83A1-F6EECF244321}">
+                <p14:modId xmlns:p14="http://schemas.microsoft.com/office/powerpoint/2010/main" val="2589648969"/>
+              </p:ext>
+            </p:extLst>
+          </p:nvPr>
+        </p:nvGraphicFramePr>
+        <p:xfrm>
+          <a:off x="1375233" y="2619246"/>
+          <a:ext cx="4521200" cy="2306959"/>
+        </p:xfrm>
+        <a:graphic>
+          <a:graphicData uri="http://schemas.openxmlformats.org/drawingml/2006/table">
+            <a:tbl>
+              <a:tblPr firstRow="1" firstCol="1" bandRow="1" bandCol="1">
+                <a:tableStyleId>{5C22544A-7EE6-4342-B048-85BDC9FD1C3A}</a:tableStyleId>
+              </a:tblPr>
+              <a:tblGrid>
+                <a:gridCol w="361798">
+                  <a:extLst>
+                    <a:ext uri="{9D8B030D-6E8A-4147-A177-3AD203B41FA5}">
+                      <a16:colId xmlns:a16="http://schemas.microsoft.com/office/drawing/2014/main" val="1180855819"/>
+                    </a:ext>
+                  </a:extLst>
+                </a:gridCol>
+                <a:gridCol w="1683945">
+                  <a:extLst>
+                    <a:ext uri="{9D8B030D-6E8A-4147-A177-3AD203B41FA5}">
+                      <a16:colId xmlns:a16="http://schemas.microsoft.com/office/drawing/2014/main" val="1939522330"/>
+                    </a:ext>
+                  </a:extLst>
+                </a:gridCol>
+                <a:gridCol w="1285333">
+                  <a:extLst>
+                    <a:ext uri="{9D8B030D-6E8A-4147-A177-3AD203B41FA5}">
+                      <a16:colId xmlns:a16="http://schemas.microsoft.com/office/drawing/2014/main" val="548653139"/>
+                    </a:ext>
+                  </a:extLst>
+                </a:gridCol>
+                <a:gridCol w="1190124">
+                  <a:extLst>
+                    <a:ext uri="{9D8B030D-6E8A-4147-A177-3AD203B41FA5}">
+                      <a16:colId xmlns:a16="http://schemas.microsoft.com/office/drawing/2014/main" val="2024027506"/>
+                    </a:ext>
+                  </a:extLst>
+                </a:gridCol>
+              </a:tblGrid>
+              <a:tr h="190500">
+                <a:tc gridSpan="2">
+                  <a:txBody>
+                    <a:bodyPr/>
+                    <a:lstStyle/>
+                    <a:p>
+                      <a:pPr algn="l">
+                        <a:lnSpc>
+                          <a:spcPct val="140000"/>
+                        </a:lnSpc>
+                        <a:spcAft>
+                          <a:spcPts val="0"/>
+                        </a:spcAft>
+                      </a:pPr>
+                      <a:r>
+                        <a:rPr lang="nl-BE" sz="1100">
+                          <a:effectLst/>
+                        </a:rPr>
+                        <a:t>Uurtarief per uur exclusief btw</a:t>
+                      </a:r>
+                      <a:endParaRPr lang="nl-BE" sz="1100">
+                        <a:solidFill>
+                          <a:srgbClr val="404040"/>
+                        </a:solidFill>
+                        <a:effectLst/>
+                        <a:latin typeface="Arial" panose="020B0604020202020204" pitchFamily="34" charset="0"/>
+                        <a:ea typeface="Arial" panose="020B0604020202020204" pitchFamily="34" charset="0"/>
+                        <a:cs typeface="Times New Roman" panose="02020603050405020304" pitchFamily="18" charset="0"/>
+                      </a:endParaRPr>
+                    </a:p>
+                  </a:txBody>
+                  <a:tcPr marL="44450" marR="44450" marT="0" marB="0" anchor="b"/>
+                </a:tc>
+                <a:tc hMerge="1">
+                  <a:txBody>
+                    <a:bodyPr/>
+                    <a:lstStyle/>
+                    <a:p>
+                      <a:endParaRPr lang="nl-BE"/>
+                    </a:p>
+                  </a:txBody>
+                  <a:tcPr/>
+                </a:tc>
+                <a:tc>
+                  <a:txBody>
+                    <a:bodyPr/>
+                    <a:lstStyle/>
+                    <a:p>
+                      <a:pPr>
+                        <a:lnSpc>
+                          <a:spcPct val="140000"/>
+                        </a:lnSpc>
+                      </a:pPr>
+                      <a:endParaRPr lang="nl-BE" sz="1000">
+                        <a:solidFill>
+                          <a:srgbClr val="404040"/>
+                        </a:solidFill>
+                        <a:effectLst/>
+                        <a:latin typeface="Arial" panose="020B0604020202020204" pitchFamily="34" charset="0"/>
+                        <a:cs typeface="Times New Roman" panose="02020603050405020304" pitchFamily="18" charset="0"/>
+                      </a:endParaRPr>
+                    </a:p>
+                  </a:txBody>
+                  <a:tcPr marL="44450" marR="44450" marT="0" marB="0" anchor="b"/>
+                </a:tc>
+                <a:tc>
+                  <a:txBody>
+                    <a:bodyPr/>
+                    <a:lstStyle/>
+                    <a:p>
+                      <a:pPr algn="r">
+                        <a:lnSpc>
+                          <a:spcPct val="140000"/>
+                        </a:lnSpc>
+                        <a:spcAft>
+                          <a:spcPts val="0"/>
+                        </a:spcAft>
+                      </a:pPr>
+                      <a:r>
+                        <a:rPr lang="nl-BE" sz="1100">
+                          <a:effectLst/>
+                        </a:rPr>
+                        <a:t>€ 50,00</a:t>
+                      </a:r>
+                      <a:endParaRPr lang="nl-BE" sz="1100">
+                        <a:solidFill>
+                          <a:srgbClr val="404040"/>
+                        </a:solidFill>
+                        <a:effectLst/>
+                        <a:latin typeface="Arial" panose="020B0604020202020204" pitchFamily="34" charset="0"/>
+                        <a:ea typeface="Arial" panose="020B0604020202020204" pitchFamily="34" charset="0"/>
+                        <a:cs typeface="Times New Roman" panose="02020603050405020304" pitchFamily="18" charset="0"/>
+                      </a:endParaRPr>
+                    </a:p>
+                  </a:txBody>
+                  <a:tcPr marL="44450" marR="44450" marT="0" marB="0" anchor="b"/>
+                </a:tc>
+                <a:extLst>
+                  <a:ext uri="{0D108BD9-81ED-4DB2-BD59-A6C34878D82A}">
+                    <a16:rowId xmlns:a16="http://schemas.microsoft.com/office/drawing/2014/main" val="3522177080"/>
+                  </a:ext>
+                </a:extLst>
+              </a:tr>
+              <a:tr h="219075">
+                <a:tc>
+                  <a:txBody>
+                    <a:bodyPr/>
+                    <a:lstStyle/>
+                    <a:p>
+                      <a:pPr algn="l">
+                        <a:lnSpc>
+                          <a:spcPct val="140000"/>
+                        </a:lnSpc>
+                        <a:spcAft>
+                          <a:spcPts val="0"/>
+                        </a:spcAft>
+                      </a:pPr>
+                      <a:r>
+                        <a:rPr lang="nl-BE" sz="1100">
+                          <a:effectLst/>
+                        </a:rPr>
+                        <a:t>nr</a:t>
+                      </a:r>
+                      <a:endParaRPr lang="nl-BE" sz="1100">
+                        <a:solidFill>
+                          <a:srgbClr val="404040"/>
+                        </a:solidFill>
+                        <a:effectLst/>
+                        <a:latin typeface="Arial" panose="020B0604020202020204" pitchFamily="34" charset="0"/>
+                        <a:ea typeface="Arial" panose="020B0604020202020204" pitchFamily="34" charset="0"/>
+                        <a:cs typeface="Times New Roman" panose="02020603050405020304" pitchFamily="18" charset="0"/>
+                      </a:endParaRPr>
+                    </a:p>
+                  </a:txBody>
+                  <a:tcPr marL="44450" marR="44450" marT="0" marB="0" anchor="b"/>
+                </a:tc>
+                <a:tc>
+                  <a:txBody>
+                    <a:bodyPr/>
+                    <a:lstStyle/>
+                    <a:p>
+                      <a:pPr algn="l">
+                        <a:lnSpc>
+                          <a:spcPct val="140000"/>
+                        </a:lnSpc>
+                        <a:spcAft>
+                          <a:spcPts val="0"/>
+                        </a:spcAft>
+                      </a:pPr>
+                      <a:r>
+                        <a:rPr lang="nl-BE" sz="1100">
+                          <a:effectLst/>
+                        </a:rPr>
+                        <a:t>Deelopdracht</a:t>
+                      </a:r>
+                      <a:endParaRPr lang="nl-BE" sz="1100">
+                        <a:solidFill>
+                          <a:srgbClr val="404040"/>
+                        </a:solidFill>
+                        <a:effectLst/>
+                        <a:latin typeface="Arial" panose="020B0604020202020204" pitchFamily="34" charset="0"/>
+                        <a:ea typeface="Arial" panose="020B0604020202020204" pitchFamily="34" charset="0"/>
+                        <a:cs typeface="Times New Roman" panose="02020603050405020304" pitchFamily="18" charset="0"/>
+                      </a:endParaRPr>
+                    </a:p>
+                  </a:txBody>
+                  <a:tcPr marL="44450" marR="44450" marT="0" marB="0" anchor="b"/>
+                </a:tc>
+                <a:tc>
+                  <a:txBody>
+                    <a:bodyPr/>
+                    <a:lstStyle/>
+                    <a:p>
+                      <a:pPr algn="r">
+                        <a:lnSpc>
+                          <a:spcPct val="140000"/>
+                        </a:lnSpc>
+                        <a:spcAft>
+                          <a:spcPts val="0"/>
+                        </a:spcAft>
+                      </a:pPr>
+                      <a:r>
+                        <a:rPr lang="nl-BE" sz="1100">
+                          <a:effectLst/>
+                        </a:rPr>
+                        <a:t># Manuren</a:t>
+                      </a:r>
+                      <a:endParaRPr lang="nl-BE" sz="1100">
+                        <a:solidFill>
+                          <a:srgbClr val="404040"/>
+                        </a:solidFill>
+                        <a:effectLst/>
+                        <a:latin typeface="Arial" panose="020B0604020202020204" pitchFamily="34" charset="0"/>
+                        <a:ea typeface="Arial" panose="020B0604020202020204" pitchFamily="34" charset="0"/>
+                        <a:cs typeface="Times New Roman" panose="02020603050405020304" pitchFamily="18" charset="0"/>
+                      </a:endParaRPr>
+                    </a:p>
+                  </a:txBody>
+                  <a:tcPr marL="44450" marR="44450" marT="0" marB="0" anchor="b"/>
+                </a:tc>
+                <a:tc>
+                  <a:txBody>
+                    <a:bodyPr/>
+                    <a:lstStyle/>
+                    <a:p>
+                      <a:pPr algn="r">
+                        <a:lnSpc>
+                          <a:spcPct val="140000"/>
+                        </a:lnSpc>
+                        <a:spcAft>
+                          <a:spcPts val="0"/>
+                        </a:spcAft>
+                      </a:pPr>
+                      <a:r>
+                        <a:rPr lang="nl-BE" sz="1100">
+                          <a:effectLst/>
+                        </a:rPr>
+                        <a:t>Totaal</a:t>
+                      </a:r>
+                      <a:endParaRPr lang="nl-BE" sz="1100">
+                        <a:solidFill>
+                          <a:srgbClr val="404040"/>
+                        </a:solidFill>
+                        <a:effectLst/>
+                        <a:latin typeface="Arial" panose="020B0604020202020204" pitchFamily="34" charset="0"/>
+                        <a:ea typeface="Arial" panose="020B0604020202020204" pitchFamily="34" charset="0"/>
+                        <a:cs typeface="Times New Roman" panose="02020603050405020304" pitchFamily="18" charset="0"/>
+                      </a:endParaRPr>
+                    </a:p>
+                  </a:txBody>
+                  <a:tcPr marL="44450" marR="44450" marT="0" marB="0" anchor="b"/>
+                </a:tc>
+                <a:extLst>
+                  <a:ext uri="{0D108BD9-81ED-4DB2-BD59-A6C34878D82A}">
+                    <a16:rowId xmlns:a16="http://schemas.microsoft.com/office/drawing/2014/main" val="2477019088"/>
+                  </a:ext>
+                </a:extLst>
+              </a:tr>
+              <a:tr h="190500">
+                <a:tc>
+                  <a:txBody>
+                    <a:bodyPr/>
+                    <a:lstStyle/>
+                    <a:p>
+                      <a:pPr algn="r">
+                        <a:lnSpc>
+                          <a:spcPct val="140000"/>
+                        </a:lnSpc>
+                        <a:spcAft>
+                          <a:spcPts val="0"/>
+                        </a:spcAft>
+                      </a:pPr>
+                      <a:r>
+                        <a:rPr lang="nl-BE" sz="1100">
+                          <a:effectLst/>
+                        </a:rPr>
+                        <a:t>1</a:t>
+                      </a:r>
+                      <a:endParaRPr lang="nl-BE" sz="1100">
+                        <a:solidFill>
+                          <a:srgbClr val="404040"/>
+                        </a:solidFill>
+                        <a:effectLst/>
+                        <a:latin typeface="Arial" panose="020B0604020202020204" pitchFamily="34" charset="0"/>
+                        <a:ea typeface="Arial" panose="020B0604020202020204" pitchFamily="34" charset="0"/>
+                        <a:cs typeface="Times New Roman" panose="02020603050405020304" pitchFamily="18" charset="0"/>
+                      </a:endParaRPr>
+                    </a:p>
+                  </a:txBody>
+                  <a:tcPr marL="44450" marR="44450" marT="0" marB="0" anchor="b"/>
+                </a:tc>
+                <a:tc>
+                  <a:txBody>
+                    <a:bodyPr/>
+                    <a:lstStyle/>
+                    <a:p>
+                      <a:pPr algn="l">
+                        <a:lnSpc>
+                          <a:spcPct val="140000"/>
+                        </a:lnSpc>
+                        <a:spcAft>
+                          <a:spcPts val="0"/>
+                        </a:spcAft>
+                      </a:pPr>
+                      <a:r>
+                        <a:rPr lang="nl-BE" sz="1100">
+                          <a:effectLst/>
+                        </a:rPr>
+                        <a:t>Onderzoek</a:t>
+                      </a:r>
+                      <a:endParaRPr lang="nl-BE" sz="1100">
+                        <a:solidFill>
+                          <a:srgbClr val="404040"/>
+                        </a:solidFill>
+                        <a:effectLst/>
+                        <a:latin typeface="Arial" panose="020B0604020202020204" pitchFamily="34" charset="0"/>
+                        <a:ea typeface="Arial" panose="020B0604020202020204" pitchFamily="34" charset="0"/>
+                        <a:cs typeface="Times New Roman" panose="02020603050405020304" pitchFamily="18" charset="0"/>
+                      </a:endParaRPr>
+                    </a:p>
+                  </a:txBody>
+                  <a:tcPr marL="44450" marR="44450" marT="0" marB="0" anchor="b"/>
+                </a:tc>
+                <a:tc>
+                  <a:txBody>
+                    <a:bodyPr/>
+                    <a:lstStyle/>
+                    <a:p>
+                      <a:pPr algn="r">
+                        <a:lnSpc>
+                          <a:spcPct val="140000"/>
+                        </a:lnSpc>
+                        <a:spcAft>
+                          <a:spcPts val="0"/>
+                        </a:spcAft>
+                      </a:pPr>
+                      <a:r>
+                        <a:rPr lang="nl-BE" sz="1100">
+                          <a:effectLst/>
+                        </a:rPr>
+                        <a:t>38</a:t>
+                      </a:r>
+                      <a:endParaRPr lang="nl-BE" sz="1100">
+                        <a:solidFill>
+                          <a:srgbClr val="404040"/>
+                        </a:solidFill>
+                        <a:effectLst/>
+                        <a:latin typeface="Arial" panose="020B0604020202020204" pitchFamily="34" charset="0"/>
+                        <a:ea typeface="Arial" panose="020B0604020202020204" pitchFamily="34" charset="0"/>
+                        <a:cs typeface="Times New Roman" panose="02020603050405020304" pitchFamily="18" charset="0"/>
+                      </a:endParaRPr>
+                    </a:p>
+                  </a:txBody>
+                  <a:tcPr marL="44450" marR="44450" marT="0" marB="0" anchor="b"/>
+                </a:tc>
+                <a:tc>
+                  <a:txBody>
+                    <a:bodyPr/>
+                    <a:lstStyle/>
+                    <a:p>
+                      <a:pPr algn="r">
+                        <a:lnSpc>
+                          <a:spcPct val="140000"/>
+                        </a:lnSpc>
+                        <a:spcAft>
+                          <a:spcPts val="0"/>
+                        </a:spcAft>
+                      </a:pPr>
+                      <a:r>
+                        <a:rPr lang="nl-BE" sz="1100">
+                          <a:effectLst/>
+                        </a:rPr>
+                        <a:t>€ 1 900,00</a:t>
+                      </a:r>
+                      <a:endParaRPr lang="nl-BE" sz="1100">
+                        <a:solidFill>
+                          <a:srgbClr val="404040"/>
+                        </a:solidFill>
+                        <a:effectLst/>
+                        <a:latin typeface="Arial" panose="020B0604020202020204" pitchFamily="34" charset="0"/>
+                        <a:ea typeface="Arial" panose="020B0604020202020204" pitchFamily="34" charset="0"/>
+                        <a:cs typeface="Times New Roman" panose="02020603050405020304" pitchFamily="18" charset="0"/>
+                      </a:endParaRPr>
+                    </a:p>
+                  </a:txBody>
+                  <a:tcPr marL="44450" marR="44450" marT="0" marB="0" anchor="b"/>
+                </a:tc>
+                <a:extLst>
+                  <a:ext uri="{0D108BD9-81ED-4DB2-BD59-A6C34878D82A}">
+                    <a16:rowId xmlns:a16="http://schemas.microsoft.com/office/drawing/2014/main" val="468621182"/>
+                  </a:ext>
+                </a:extLst>
+              </a:tr>
+              <a:tr h="190500">
+                <a:tc>
+                  <a:txBody>
+                    <a:bodyPr/>
+                    <a:lstStyle/>
+                    <a:p>
+                      <a:pPr algn="r">
+                        <a:lnSpc>
+                          <a:spcPct val="140000"/>
+                        </a:lnSpc>
+                        <a:spcAft>
+                          <a:spcPts val="0"/>
+                        </a:spcAft>
+                      </a:pPr>
+                      <a:r>
+                        <a:rPr lang="nl-BE" sz="1100">
+                          <a:effectLst/>
+                        </a:rPr>
+                        <a:t>2</a:t>
+                      </a:r>
+                      <a:endParaRPr lang="nl-BE" sz="1100">
+                        <a:solidFill>
+                          <a:srgbClr val="404040"/>
+                        </a:solidFill>
+                        <a:effectLst/>
+                        <a:latin typeface="Arial" panose="020B0604020202020204" pitchFamily="34" charset="0"/>
+                        <a:ea typeface="Arial" panose="020B0604020202020204" pitchFamily="34" charset="0"/>
+                        <a:cs typeface="Times New Roman" panose="02020603050405020304" pitchFamily="18" charset="0"/>
+                      </a:endParaRPr>
+                    </a:p>
+                  </a:txBody>
+                  <a:tcPr marL="44450" marR="44450" marT="0" marB="0" anchor="b"/>
+                </a:tc>
+                <a:tc>
+                  <a:txBody>
+                    <a:bodyPr/>
+                    <a:lstStyle/>
+                    <a:p>
+                      <a:pPr algn="l">
+                        <a:lnSpc>
+                          <a:spcPct val="140000"/>
+                        </a:lnSpc>
+                        <a:spcAft>
+                          <a:spcPts val="0"/>
+                        </a:spcAft>
+                      </a:pPr>
+                      <a:r>
+                        <a:rPr lang="nl-BE" sz="1100">
+                          <a:effectLst/>
+                        </a:rPr>
+                        <a:t>analyse</a:t>
+                      </a:r>
+                      <a:endParaRPr lang="nl-BE" sz="1100">
+                        <a:solidFill>
+                          <a:srgbClr val="404040"/>
+                        </a:solidFill>
+                        <a:effectLst/>
+                        <a:latin typeface="Arial" panose="020B0604020202020204" pitchFamily="34" charset="0"/>
+                        <a:ea typeface="Arial" panose="020B0604020202020204" pitchFamily="34" charset="0"/>
+                        <a:cs typeface="Times New Roman" panose="02020603050405020304" pitchFamily="18" charset="0"/>
+                      </a:endParaRPr>
+                    </a:p>
+                  </a:txBody>
+                  <a:tcPr marL="44450" marR="44450" marT="0" marB="0" anchor="b"/>
+                </a:tc>
+                <a:tc>
+                  <a:txBody>
+                    <a:bodyPr/>
+                    <a:lstStyle/>
+                    <a:p>
+                      <a:pPr algn="r">
+                        <a:lnSpc>
+                          <a:spcPct val="140000"/>
+                        </a:lnSpc>
+                        <a:spcAft>
+                          <a:spcPts val="0"/>
+                        </a:spcAft>
+                      </a:pPr>
+                      <a:r>
+                        <a:rPr lang="nl-BE" sz="1100">
+                          <a:effectLst/>
+                        </a:rPr>
+                        <a:t>16</a:t>
+                      </a:r>
+                      <a:endParaRPr lang="nl-BE" sz="1100">
+                        <a:solidFill>
+                          <a:srgbClr val="404040"/>
+                        </a:solidFill>
+                        <a:effectLst/>
+                        <a:latin typeface="Arial" panose="020B0604020202020204" pitchFamily="34" charset="0"/>
+                        <a:ea typeface="Arial" panose="020B0604020202020204" pitchFamily="34" charset="0"/>
+                        <a:cs typeface="Times New Roman" panose="02020603050405020304" pitchFamily="18" charset="0"/>
+                      </a:endParaRPr>
+                    </a:p>
+                  </a:txBody>
+                  <a:tcPr marL="44450" marR="44450" marT="0" marB="0" anchor="b"/>
+                </a:tc>
+                <a:tc>
+                  <a:txBody>
+                    <a:bodyPr/>
+                    <a:lstStyle/>
+                    <a:p>
+                      <a:pPr algn="r">
+                        <a:lnSpc>
+                          <a:spcPct val="140000"/>
+                        </a:lnSpc>
+                        <a:spcAft>
+                          <a:spcPts val="0"/>
+                        </a:spcAft>
+                      </a:pPr>
+                      <a:r>
+                        <a:rPr lang="nl-BE" sz="1100">
+                          <a:effectLst/>
+                        </a:rPr>
+                        <a:t>€ 800,00</a:t>
+                      </a:r>
+                      <a:endParaRPr lang="nl-BE" sz="1100">
+                        <a:solidFill>
+                          <a:srgbClr val="404040"/>
+                        </a:solidFill>
+                        <a:effectLst/>
+                        <a:latin typeface="Arial" panose="020B0604020202020204" pitchFamily="34" charset="0"/>
+                        <a:ea typeface="Arial" panose="020B0604020202020204" pitchFamily="34" charset="0"/>
+                        <a:cs typeface="Times New Roman" panose="02020603050405020304" pitchFamily="18" charset="0"/>
+                      </a:endParaRPr>
+                    </a:p>
+                  </a:txBody>
+                  <a:tcPr marL="44450" marR="44450" marT="0" marB="0" anchor="b"/>
+                </a:tc>
+                <a:extLst>
+                  <a:ext uri="{0D108BD9-81ED-4DB2-BD59-A6C34878D82A}">
+                    <a16:rowId xmlns:a16="http://schemas.microsoft.com/office/drawing/2014/main" val="2647617585"/>
+                  </a:ext>
+                </a:extLst>
+              </a:tr>
+              <a:tr h="190500">
+                <a:tc>
+                  <a:txBody>
+                    <a:bodyPr/>
+                    <a:lstStyle/>
+                    <a:p>
+                      <a:pPr algn="r">
+                        <a:lnSpc>
+                          <a:spcPct val="140000"/>
+                        </a:lnSpc>
+                        <a:spcAft>
+                          <a:spcPts val="0"/>
+                        </a:spcAft>
+                      </a:pPr>
+                      <a:r>
+                        <a:rPr lang="nl-BE" sz="1100">
+                          <a:effectLst/>
+                        </a:rPr>
+                        <a:t>3</a:t>
+                      </a:r>
+                      <a:endParaRPr lang="nl-BE" sz="1100">
+                        <a:solidFill>
+                          <a:srgbClr val="404040"/>
+                        </a:solidFill>
+                        <a:effectLst/>
+                        <a:latin typeface="Arial" panose="020B0604020202020204" pitchFamily="34" charset="0"/>
+                        <a:ea typeface="Arial" panose="020B0604020202020204" pitchFamily="34" charset="0"/>
+                        <a:cs typeface="Times New Roman" panose="02020603050405020304" pitchFamily="18" charset="0"/>
+                      </a:endParaRPr>
+                    </a:p>
+                  </a:txBody>
+                  <a:tcPr marL="44450" marR="44450" marT="0" marB="0" anchor="b"/>
+                </a:tc>
+                <a:tc>
+                  <a:txBody>
+                    <a:bodyPr/>
+                    <a:lstStyle/>
+                    <a:p>
+                      <a:pPr algn="l">
+                        <a:lnSpc>
+                          <a:spcPct val="140000"/>
+                        </a:lnSpc>
+                        <a:spcAft>
+                          <a:spcPts val="0"/>
+                        </a:spcAft>
+                      </a:pPr>
+                      <a:r>
+                        <a:rPr lang="nl-BE" sz="1100">
+                          <a:effectLst/>
+                        </a:rPr>
+                        <a:t>Design</a:t>
+                      </a:r>
+                      <a:endParaRPr lang="nl-BE" sz="1100">
+                        <a:solidFill>
+                          <a:srgbClr val="404040"/>
+                        </a:solidFill>
+                        <a:effectLst/>
+                        <a:latin typeface="Arial" panose="020B0604020202020204" pitchFamily="34" charset="0"/>
+                        <a:ea typeface="Arial" panose="020B0604020202020204" pitchFamily="34" charset="0"/>
+                        <a:cs typeface="Times New Roman" panose="02020603050405020304" pitchFamily="18" charset="0"/>
+                      </a:endParaRPr>
+                    </a:p>
+                  </a:txBody>
+                  <a:tcPr marL="44450" marR="44450" marT="0" marB="0" anchor="b"/>
+                </a:tc>
+                <a:tc>
+                  <a:txBody>
+                    <a:bodyPr/>
+                    <a:lstStyle/>
+                    <a:p>
+                      <a:pPr algn="r">
+                        <a:lnSpc>
+                          <a:spcPct val="140000"/>
+                        </a:lnSpc>
+                        <a:spcAft>
+                          <a:spcPts val="0"/>
+                        </a:spcAft>
+                      </a:pPr>
+                      <a:r>
+                        <a:rPr lang="nl-BE" sz="1100">
+                          <a:effectLst/>
+                        </a:rPr>
+                        <a:t>20</a:t>
+                      </a:r>
+                      <a:endParaRPr lang="nl-BE" sz="1100">
+                        <a:solidFill>
+                          <a:srgbClr val="404040"/>
+                        </a:solidFill>
+                        <a:effectLst/>
+                        <a:latin typeface="Arial" panose="020B0604020202020204" pitchFamily="34" charset="0"/>
+                        <a:ea typeface="Arial" panose="020B0604020202020204" pitchFamily="34" charset="0"/>
+                        <a:cs typeface="Times New Roman" panose="02020603050405020304" pitchFamily="18" charset="0"/>
+                      </a:endParaRPr>
+                    </a:p>
+                  </a:txBody>
+                  <a:tcPr marL="44450" marR="44450" marT="0" marB="0" anchor="b"/>
+                </a:tc>
+                <a:tc>
+                  <a:txBody>
+                    <a:bodyPr/>
+                    <a:lstStyle/>
+                    <a:p>
+                      <a:pPr algn="r">
+                        <a:lnSpc>
+                          <a:spcPct val="140000"/>
+                        </a:lnSpc>
+                        <a:spcAft>
+                          <a:spcPts val="0"/>
+                        </a:spcAft>
+                      </a:pPr>
+                      <a:r>
+                        <a:rPr lang="nl-BE" sz="1100">
+                          <a:effectLst/>
+                        </a:rPr>
+                        <a:t>€ 1 000,00</a:t>
+                      </a:r>
+                      <a:endParaRPr lang="nl-BE" sz="1100">
+                        <a:solidFill>
+                          <a:srgbClr val="404040"/>
+                        </a:solidFill>
+                        <a:effectLst/>
+                        <a:latin typeface="Arial" panose="020B0604020202020204" pitchFamily="34" charset="0"/>
+                        <a:ea typeface="Arial" panose="020B0604020202020204" pitchFamily="34" charset="0"/>
+                        <a:cs typeface="Times New Roman" panose="02020603050405020304" pitchFamily="18" charset="0"/>
+                      </a:endParaRPr>
+                    </a:p>
+                  </a:txBody>
+                  <a:tcPr marL="44450" marR="44450" marT="0" marB="0" anchor="b"/>
+                </a:tc>
+                <a:extLst>
+                  <a:ext uri="{0D108BD9-81ED-4DB2-BD59-A6C34878D82A}">
+                    <a16:rowId xmlns:a16="http://schemas.microsoft.com/office/drawing/2014/main" val="726449685"/>
+                  </a:ext>
+                </a:extLst>
+              </a:tr>
+              <a:tr h="190500">
+                <a:tc>
+                  <a:txBody>
+                    <a:bodyPr/>
+                    <a:lstStyle/>
+                    <a:p>
+                      <a:pPr algn="r">
+                        <a:lnSpc>
+                          <a:spcPct val="140000"/>
+                        </a:lnSpc>
+                        <a:spcAft>
+                          <a:spcPts val="0"/>
+                        </a:spcAft>
+                      </a:pPr>
+                      <a:r>
+                        <a:rPr lang="nl-BE" sz="1100">
+                          <a:effectLst/>
+                        </a:rPr>
+                        <a:t>4</a:t>
+                      </a:r>
+                      <a:endParaRPr lang="nl-BE" sz="1100">
+                        <a:solidFill>
+                          <a:srgbClr val="404040"/>
+                        </a:solidFill>
+                        <a:effectLst/>
+                        <a:latin typeface="Arial" panose="020B0604020202020204" pitchFamily="34" charset="0"/>
+                        <a:ea typeface="Arial" panose="020B0604020202020204" pitchFamily="34" charset="0"/>
+                        <a:cs typeface="Times New Roman" panose="02020603050405020304" pitchFamily="18" charset="0"/>
+                      </a:endParaRPr>
+                    </a:p>
+                  </a:txBody>
+                  <a:tcPr marL="44450" marR="44450" marT="0" marB="0" anchor="b"/>
+                </a:tc>
+                <a:tc>
+                  <a:txBody>
+                    <a:bodyPr/>
+                    <a:lstStyle/>
+                    <a:p>
+                      <a:pPr algn="l">
+                        <a:lnSpc>
+                          <a:spcPct val="140000"/>
+                        </a:lnSpc>
+                        <a:spcAft>
+                          <a:spcPts val="0"/>
+                        </a:spcAft>
+                      </a:pPr>
+                      <a:r>
+                        <a:rPr lang="nl-BE" sz="1100">
+                          <a:effectLst/>
+                        </a:rPr>
+                        <a:t>Implementatie</a:t>
+                      </a:r>
+                      <a:endParaRPr lang="nl-BE" sz="1100">
+                        <a:solidFill>
+                          <a:srgbClr val="404040"/>
+                        </a:solidFill>
+                        <a:effectLst/>
+                        <a:latin typeface="Arial" panose="020B0604020202020204" pitchFamily="34" charset="0"/>
+                        <a:ea typeface="Arial" panose="020B0604020202020204" pitchFamily="34" charset="0"/>
+                        <a:cs typeface="Times New Roman" panose="02020603050405020304" pitchFamily="18" charset="0"/>
+                      </a:endParaRPr>
+                    </a:p>
+                  </a:txBody>
+                  <a:tcPr marL="44450" marR="44450" marT="0" marB="0" anchor="b"/>
+                </a:tc>
+                <a:tc>
+                  <a:txBody>
+                    <a:bodyPr/>
+                    <a:lstStyle/>
+                    <a:p>
+                      <a:pPr algn="r">
+                        <a:lnSpc>
+                          <a:spcPct val="140000"/>
+                        </a:lnSpc>
+                        <a:spcAft>
+                          <a:spcPts val="0"/>
+                        </a:spcAft>
+                      </a:pPr>
+                      <a:r>
+                        <a:rPr lang="nl-BE" sz="1100">
+                          <a:effectLst/>
+                        </a:rPr>
+                        <a:t>140</a:t>
+                      </a:r>
+                      <a:endParaRPr lang="nl-BE" sz="1100">
+                        <a:solidFill>
+                          <a:srgbClr val="404040"/>
+                        </a:solidFill>
+                        <a:effectLst/>
+                        <a:latin typeface="Arial" panose="020B0604020202020204" pitchFamily="34" charset="0"/>
+                        <a:ea typeface="Arial" panose="020B0604020202020204" pitchFamily="34" charset="0"/>
+                        <a:cs typeface="Times New Roman" panose="02020603050405020304" pitchFamily="18" charset="0"/>
+                      </a:endParaRPr>
+                    </a:p>
+                  </a:txBody>
+                  <a:tcPr marL="44450" marR="44450" marT="0" marB="0" anchor="b"/>
+                </a:tc>
+                <a:tc>
+                  <a:txBody>
+                    <a:bodyPr/>
+                    <a:lstStyle/>
+                    <a:p>
+                      <a:pPr algn="r">
+                        <a:lnSpc>
+                          <a:spcPct val="140000"/>
+                        </a:lnSpc>
+                        <a:spcAft>
+                          <a:spcPts val="0"/>
+                        </a:spcAft>
+                      </a:pPr>
+                      <a:r>
+                        <a:rPr lang="nl-BE" sz="1100">
+                          <a:effectLst/>
+                        </a:rPr>
+                        <a:t>€ 7 000,00</a:t>
+                      </a:r>
+                      <a:endParaRPr lang="nl-BE" sz="1100">
+                        <a:solidFill>
+                          <a:srgbClr val="404040"/>
+                        </a:solidFill>
+                        <a:effectLst/>
+                        <a:latin typeface="Arial" panose="020B0604020202020204" pitchFamily="34" charset="0"/>
+                        <a:ea typeface="Arial" panose="020B0604020202020204" pitchFamily="34" charset="0"/>
+                        <a:cs typeface="Times New Roman" panose="02020603050405020304" pitchFamily="18" charset="0"/>
+                      </a:endParaRPr>
+                    </a:p>
+                  </a:txBody>
+                  <a:tcPr marL="44450" marR="44450" marT="0" marB="0" anchor="b"/>
+                </a:tc>
+                <a:extLst>
+                  <a:ext uri="{0D108BD9-81ED-4DB2-BD59-A6C34878D82A}">
+                    <a16:rowId xmlns:a16="http://schemas.microsoft.com/office/drawing/2014/main" val="3554144318"/>
+                  </a:ext>
+                </a:extLst>
+              </a:tr>
+              <a:tr h="190500">
+                <a:tc>
+                  <a:txBody>
+                    <a:bodyPr/>
+                    <a:lstStyle/>
+                    <a:p>
+                      <a:pPr algn="r">
+                        <a:lnSpc>
+                          <a:spcPct val="140000"/>
+                        </a:lnSpc>
+                        <a:spcAft>
+                          <a:spcPts val="0"/>
+                        </a:spcAft>
+                      </a:pPr>
+                      <a:r>
+                        <a:rPr lang="nl-BE" sz="1100">
+                          <a:effectLst/>
+                        </a:rPr>
+                        <a:t>5</a:t>
+                      </a:r>
+                      <a:endParaRPr lang="nl-BE" sz="1100">
+                        <a:solidFill>
+                          <a:srgbClr val="404040"/>
+                        </a:solidFill>
+                        <a:effectLst/>
+                        <a:latin typeface="Arial" panose="020B0604020202020204" pitchFamily="34" charset="0"/>
+                        <a:ea typeface="Arial" panose="020B0604020202020204" pitchFamily="34" charset="0"/>
+                        <a:cs typeface="Times New Roman" panose="02020603050405020304" pitchFamily="18" charset="0"/>
+                      </a:endParaRPr>
+                    </a:p>
+                  </a:txBody>
+                  <a:tcPr marL="44450" marR="44450" marT="0" marB="0" anchor="b"/>
+                </a:tc>
+                <a:tc>
+                  <a:txBody>
+                    <a:bodyPr/>
+                    <a:lstStyle/>
+                    <a:p>
+                      <a:pPr algn="l">
+                        <a:lnSpc>
+                          <a:spcPct val="140000"/>
+                        </a:lnSpc>
+                        <a:spcAft>
+                          <a:spcPts val="0"/>
+                        </a:spcAft>
+                      </a:pPr>
+                      <a:r>
+                        <a:rPr lang="nl-BE" sz="1100">
+                          <a:effectLst/>
+                        </a:rPr>
+                        <a:t>Debugging</a:t>
+                      </a:r>
+                      <a:endParaRPr lang="nl-BE" sz="1100">
+                        <a:solidFill>
+                          <a:srgbClr val="404040"/>
+                        </a:solidFill>
+                        <a:effectLst/>
+                        <a:latin typeface="Arial" panose="020B0604020202020204" pitchFamily="34" charset="0"/>
+                        <a:ea typeface="Arial" panose="020B0604020202020204" pitchFamily="34" charset="0"/>
+                        <a:cs typeface="Times New Roman" panose="02020603050405020304" pitchFamily="18" charset="0"/>
+                      </a:endParaRPr>
+                    </a:p>
+                  </a:txBody>
+                  <a:tcPr marL="44450" marR="44450" marT="0" marB="0" anchor="b"/>
+                </a:tc>
+                <a:tc>
+                  <a:txBody>
+                    <a:bodyPr/>
+                    <a:lstStyle/>
+                    <a:p>
+                      <a:pPr algn="r">
+                        <a:lnSpc>
+                          <a:spcPct val="140000"/>
+                        </a:lnSpc>
+                        <a:spcAft>
+                          <a:spcPts val="0"/>
+                        </a:spcAft>
+                      </a:pPr>
+                      <a:r>
+                        <a:rPr lang="nl-BE" sz="1100">
+                          <a:effectLst/>
+                        </a:rPr>
+                        <a:t>30</a:t>
+                      </a:r>
+                      <a:endParaRPr lang="nl-BE" sz="1100">
+                        <a:solidFill>
+                          <a:srgbClr val="404040"/>
+                        </a:solidFill>
+                        <a:effectLst/>
+                        <a:latin typeface="Arial" panose="020B0604020202020204" pitchFamily="34" charset="0"/>
+                        <a:ea typeface="Arial" panose="020B0604020202020204" pitchFamily="34" charset="0"/>
+                        <a:cs typeface="Times New Roman" panose="02020603050405020304" pitchFamily="18" charset="0"/>
+                      </a:endParaRPr>
+                    </a:p>
+                  </a:txBody>
+                  <a:tcPr marL="44450" marR="44450" marT="0" marB="0" anchor="b"/>
+                </a:tc>
+                <a:tc>
+                  <a:txBody>
+                    <a:bodyPr/>
+                    <a:lstStyle/>
+                    <a:p>
+                      <a:pPr algn="r">
+                        <a:lnSpc>
+                          <a:spcPct val="140000"/>
+                        </a:lnSpc>
+                        <a:spcAft>
+                          <a:spcPts val="0"/>
+                        </a:spcAft>
+                      </a:pPr>
+                      <a:r>
+                        <a:rPr lang="nl-BE" sz="1100">
+                          <a:effectLst/>
+                        </a:rPr>
+                        <a:t>€ 1 500,00</a:t>
+                      </a:r>
+                      <a:endParaRPr lang="nl-BE" sz="1100">
+                        <a:solidFill>
+                          <a:srgbClr val="404040"/>
+                        </a:solidFill>
+                        <a:effectLst/>
+                        <a:latin typeface="Arial" panose="020B0604020202020204" pitchFamily="34" charset="0"/>
+                        <a:ea typeface="Arial" panose="020B0604020202020204" pitchFamily="34" charset="0"/>
+                        <a:cs typeface="Times New Roman" panose="02020603050405020304" pitchFamily="18" charset="0"/>
+                      </a:endParaRPr>
+                    </a:p>
+                  </a:txBody>
+                  <a:tcPr marL="44450" marR="44450" marT="0" marB="0" anchor="b"/>
+                </a:tc>
+                <a:extLst>
+                  <a:ext uri="{0D108BD9-81ED-4DB2-BD59-A6C34878D82A}">
+                    <a16:rowId xmlns:a16="http://schemas.microsoft.com/office/drawing/2014/main" val="3608740991"/>
+                  </a:ext>
+                </a:extLst>
+              </a:tr>
+              <a:tr h="190500">
+                <a:tc>
+                  <a:txBody>
+                    <a:bodyPr/>
+                    <a:lstStyle/>
+                    <a:p>
+                      <a:pPr algn="r">
+                        <a:lnSpc>
+                          <a:spcPct val="140000"/>
+                        </a:lnSpc>
+                        <a:spcAft>
+                          <a:spcPts val="0"/>
+                        </a:spcAft>
+                      </a:pPr>
+                      <a:r>
+                        <a:rPr lang="nl-BE" sz="1100">
+                          <a:effectLst/>
+                        </a:rPr>
+                        <a:t>6</a:t>
+                      </a:r>
+                      <a:endParaRPr lang="nl-BE" sz="1100">
+                        <a:solidFill>
+                          <a:srgbClr val="404040"/>
+                        </a:solidFill>
+                        <a:effectLst/>
+                        <a:latin typeface="Arial" panose="020B0604020202020204" pitchFamily="34" charset="0"/>
+                        <a:ea typeface="Arial" panose="020B0604020202020204" pitchFamily="34" charset="0"/>
+                        <a:cs typeface="Times New Roman" panose="02020603050405020304" pitchFamily="18" charset="0"/>
+                      </a:endParaRPr>
+                    </a:p>
+                  </a:txBody>
+                  <a:tcPr marL="44450" marR="44450" marT="0" marB="0" anchor="b"/>
+                </a:tc>
+                <a:tc>
+                  <a:txBody>
+                    <a:bodyPr/>
+                    <a:lstStyle/>
+                    <a:p>
+                      <a:pPr algn="l">
+                        <a:lnSpc>
+                          <a:spcPct val="140000"/>
+                        </a:lnSpc>
+                        <a:spcAft>
+                          <a:spcPts val="0"/>
+                        </a:spcAft>
+                      </a:pPr>
+                      <a:r>
+                        <a:rPr lang="nl-BE" sz="1100">
+                          <a:effectLst/>
+                        </a:rPr>
+                        <a:t>Testing</a:t>
+                      </a:r>
+                      <a:endParaRPr lang="nl-BE" sz="1100">
+                        <a:solidFill>
+                          <a:srgbClr val="404040"/>
+                        </a:solidFill>
+                        <a:effectLst/>
+                        <a:latin typeface="Arial" panose="020B0604020202020204" pitchFamily="34" charset="0"/>
+                        <a:ea typeface="Arial" panose="020B0604020202020204" pitchFamily="34" charset="0"/>
+                        <a:cs typeface="Times New Roman" panose="02020603050405020304" pitchFamily="18" charset="0"/>
+                      </a:endParaRPr>
+                    </a:p>
+                  </a:txBody>
+                  <a:tcPr marL="44450" marR="44450" marT="0" marB="0" anchor="b"/>
+                </a:tc>
+                <a:tc>
+                  <a:txBody>
+                    <a:bodyPr/>
+                    <a:lstStyle/>
+                    <a:p>
+                      <a:pPr algn="r">
+                        <a:lnSpc>
+                          <a:spcPct val="140000"/>
+                        </a:lnSpc>
+                        <a:spcAft>
+                          <a:spcPts val="0"/>
+                        </a:spcAft>
+                      </a:pPr>
+                      <a:r>
+                        <a:rPr lang="nl-BE" sz="1100">
+                          <a:effectLst/>
+                        </a:rPr>
+                        <a:t>21</a:t>
+                      </a:r>
+                      <a:endParaRPr lang="nl-BE" sz="1100">
+                        <a:solidFill>
+                          <a:srgbClr val="404040"/>
+                        </a:solidFill>
+                        <a:effectLst/>
+                        <a:latin typeface="Arial" panose="020B0604020202020204" pitchFamily="34" charset="0"/>
+                        <a:ea typeface="Arial" panose="020B0604020202020204" pitchFamily="34" charset="0"/>
+                        <a:cs typeface="Times New Roman" panose="02020603050405020304" pitchFamily="18" charset="0"/>
+                      </a:endParaRPr>
+                    </a:p>
+                  </a:txBody>
+                  <a:tcPr marL="44450" marR="44450" marT="0" marB="0" anchor="b"/>
+                </a:tc>
+                <a:tc>
+                  <a:txBody>
+                    <a:bodyPr/>
+                    <a:lstStyle/>
+                    <a:p>
+                      <a:pPr algn="r">
+                        <a:lnSpc>
+                          <a:spcPct val="140000"/>
+                        </a:lnSpc>
+                        <a:spcAft>
+                          <a:spcPts val="0"/>
+                        </a:spcAft>
+                      </a:pPr>
+                      <a:r>
+                        <a:rPr lang="nl-BE" sz="1100">
+                          <a:effectLst/>
+                        </a:rPr>
+                        <a:t>€ 1 050,00</a:t>
+                      </a:r>
+                      <a:endParaRPr lang="nl-BE" sz="1100">
+                        <a:solidFill>
+                          <a:srgbClr val="404040"/>
+                        </a:solidFill>
+                        <a:effectLst/>
+                        <a:latin typeface="Arial" panose="020B0604020202020204" pitchFamily="34" charset="0"/>
+                        <a:ea typeface="Arial" panose="020B0604020202020204" pitchFamily="34" charset="0"/>
+                        <a:cs typeface="Times New Roman" panose="02020603050405020304" pitchFamily="18" charset="0"/>
+                      </a:endParaRPr>
+                    </a:p>
+                  </a:txBody>
+                  <a:tcPr marL="44450" marR="44450" marT="0" marB="0" anchor="b"/>
+                </a:tc>
+                <a:extLst>
+                  <a:ext uri="{0D108BD9-81ED-4DB2-BD59-A6C34878D82A}">
+                    <a16:rowId xmlns:a16="http://schemas.microsoft.com/office/drawing/2014/main" val="4152341352"/>
+                  </a:ext>
+                </a:extLst>
+              </a:tr>
+              <a:tr h="190500">
+                <a:tc>
+                  <a:txBody>
+                    <a:bodyPr/>
+                    <a:lstStyle/>
+                    <a:p>
+                      <a:pPr>
+                        <a:lnSpc>
+                          <a:spcPct val="140000"/>
+                        </a:lnSpc>
+                      </a:pPr>
+                      <a:endParaRPr lang="nl-BE" sz="1000">
+                        <a:solidFill>
+                          <a:srgbClr val="404040"/>
+                        </a:solidFill>
+                        <a:effectLst/>
+                        <a:latin typeface="Arial" panose="020B0604020202020204" pitchFamily="34" charset="0"/>
+                        <a:cs typeface="Times New Roman" panose="02020603050405020304" pitchFamily="18" charset="0"/>
+                      </a:endParaRPr>
+                    </a:p>
+                  </a:txBody>
+                  <a:tcPr marL="44450" marR="44450" marT="0" marB="0" anchor="b"/>
+                </a:tc>
+                <a:tc>
+                  <a:txBody>
+                    <a:bodyPr/>
+                    <a:lstStyle/>
+                    <a:p>
+                      <a:pPr>
+                        <a:lnSpc>
+                          <a:spcPct val="140000"/>
+                        </a:lnSpc>
+                      </a:pPr>
+                      <a:endParaRPr lang="nl-BE" sz="1000">
+                        <a:solidFill>
+                          <a:srgbClr val="404040"/>
+                        </a:solidFill>
+                        <a:effectLst/>
+                        <a:latin typeface="Arial" panose="020B0604020202020204" pitchFamily="34" charset="0"/>
+                        <a:cs typeface="Times New Roman" panose="02020603050405020304" pitchFamily="18" charset="0"/>
+                      </a:endParaRPr>
+                    </a:p>
+                  </a:txBody>
+                  <a:tcPr marL="44450" marR="44450" marT="0" marB="0" anchor="b"/>
+                </a:tc>
+                <a:tc>
+                  <a:txBody>
+                    <a:bodyPr/>
+                    <a:lstStyle/>
+                    <a:p>
+                      <a:pPr>
+                        <a:lnSpc>
+                          <a:spcPct val="140000"/>
+                        </a:lnSpc>
+                      </a:pPr>
+                      <a:endParaRPr lang="nl-BE" sz="1000">
+                        <a:solidFill>
+                          <a:srgbClr val="404040"/>
+                        </a:solidFill>
+                        <a:effectLst/>
+                        <a:latin typeface="Arial" panose="020B0604020202020204" pitchFamily="34" charset="0"/>
+                        <a:cs typeface="Times New Roman" panose="02020603050405020304" pitchFamily="18" charset="0"/>
+                      </a:endParaRPr>
+                    </a:p>
+                  </a:txBody>
+                  <a:tcPr marL="44450" marR="44450" marT="0" marB="0" anchor="b"/>
+                </a:tc>
+                <a:tc>
+                  <a:txBody>
+                    <a:bodyPr/>
+                    <a:lstStyle/>
+                    <a:p>
+                      <a:pPr>
+                        <a:lnSpc>
+                          <a:spcPct val="140000"/>
+                        </a:lnSpc>
+                      </a:pPr>
+                      <a:endParaRPr lang="nl-BE" sz="1000">
+                        <a:solidFill>
+                          <a:srgbClr val="404040"/>
+                        </a:solidFill>
+                        <a:effectLst/>
+                        <a:latin typeface="Arial" panose="020B0604020202020204" pitchFamily="34" charset="0"/>
+                        <a:cs typeface="Times New Roman" panose="02020603050405020304" pitchFamily="18" charset="0"/>
+                      </a:endParaRPr>
+                    </a:p>
+                  </a:txBody>
+                  <a:tcPr marL="44450" marR="44450" marT="0" marB="0" anchor="b"/>
+                </a:tc>
+                <a:extLst>
+                  <a:ext uri="{0D108BD9-81ED-4DB2-BD59-A6C34878D82A}">
+                    <a16:rowId xmlns:a16="http://schemas.microsoft.com/office/drawing/2014/main" val="3152103089"/>
+                  </a:ext>
+                </a:extLst>
+              </a:tr>
+              <a:tr h="190500">
+                <a:tc>
+                  <a:txBody>
+                    <a:bodyPr/>
+                    <a:lstStyle/>
+                    <a:p>
+                      <a:pPr>
+                        <a:lnSpc>
+                          <a:spcPct val="140000"/>
+                        </a:lnSpc>
+                      </a:pPr>
+                      <a:endParaRPr lang="nl-BE" sz="1000">
+                        <a:solidFill>
+                          <a:srgbClr val="404040"/>
+                        </a:solidFill>
+                        <a:effectLst/>
+                        <a:latin typeface="Arial" panose="020B0604020202020204" pitchFamily="34" charset="0"/>
+                        <a:cs typeface="Times New Roman" panose="02020603050405020304" pitchFamily="18" charset="0"/>
+                      </a:endParaRPr>
+                    </a:p>
+                  </a:txBody>
+                  <a:tcPr marL="44450" marR="44450" marT="0" marB="0" anchor="b"/>
+                </a:tc>
+                <a:tc>
+                  <a:txBody>
+                    <a:bodyPr/>
+                    <a:lstStyle/>
+                    <a:p>
+                      <a:pPr algn="l">
+                        <a:lnSpc>
+                          <a:spcPct val="140000"/>
+                        </a:lnSpc>
+                        <a:spcAft>
+                          <a:spcPts val="0"/>
+                        </a:spcAft>
+                      </a:pPr>
+                      <a:r>
+                        <a:rPr lang="nl-BE" sz="1100">
+                          <a:effectLst/>
+                        </a:rPr>
+                        <a:t>Totaal</a:t>
+                      </a:r>
+                      <a:endParaRPr lang="nl-BE" sz="1100">
+                        <a:solidFill>
+                          <a:srgbClr val="404040"/>
+                        </a:solidFill>
+                        <a:effectLst/>
+                        <a:latin typeface="Arial" panose="020B0604020202020204" pitchFamily="34" charset="0"/>
+                        <a:ea typeface="Arial" panose="020B0604020202020204" pitchFamily="34" charset="0"/>
+                        <a:cs typeface="Times New Roman" panose="02020603050405020304" pitchFamily="18" charset="0"/>
+                      </a:endParaRPr>
+                    </a:p>
+                  </a:txBody>
+                  <a:tcPr marL="44450" marR="44450" marT="0" marB="0" anchor="b"/>
+                </a:tc>
+                <a:tc>
+                  <a:txBody>
+                    <a:bodyPr/>
+                    <a:lstStyle/>
+                    <a:p>
+                      <a:pPr algn="r">
+                        <a:lnSpc>
+                          <a:spcPct val="140000"/>
+                        </a:lnSpc>
+                        <a:spcAft>
+                          <a:spcPts val="0"/>
+                        </a:spcAft>
+                      </a:pPr>
+                      <a:r>
+                        <a:rPr lang="nl-BE" sz="1100">
+                          <a:effectLst/>
+                        </a:rPr>
+                        <a:t>265</a:t>
+                      </a:r>
+                      <a:endParaRPr lang="nl-BE" sz="1100">
+                        <a:solidFill>
+                          <a:srgbClr val="404040"/>
+                        </a:solidFill>
+                        <a:effectLst/>
+                        <a:latin typeface="Arial" panose="020B0604020202020204" pitchFamily="34" charset="0"/>
+                        <a:ea typeface="Arial" panose="020B0604020202020204" pitchFamily="34" charset="0"/>
+                        <a:cs typeface="Times New Roman" panose="02020603050405020304" pitchFamily="18" charset="0"/>
+                      </a:endParaRPr>
+                    </a:p>
+                  </a:txBody>
+                  <a:tcPr marL="44450" marR="44450" marT="0" marB="0" anchor="b"/>
+                </a:tc>
+                <a:tc>
+                  <a:txBody>
+                    <a:bodyPr/>
+                    <a:lstStyle/>
+                    <a:p>
+                      <a:pPr algn="r">
+                        <a:lnSpc>
+                          <a:spcPct val="140000"/>
+                        </a:lnSpc>
+                        <a:spcAft>
+                          <a:spcPts val="0"/>
+                        </a:spcAft>
+                      </a:pPr>
+                      <a:r>
+                        <a:rPr lang="nl-BE" sz="1100" dirty="0">
+                          <a:effectLst/>
+                        </a:rPr>
+                        <a:t>€ 13 250,00</a:t>
+                      </a:r>
+                      <a:endParaRPr lang="nl-BE" sz="1100" dirty="0">
+                        <a:solidFill>
+                          <a:srgbClr val="404040"/>
+                        </a:solidFill>
+                        <a:effectLst/>
+                        <a:latin typeface="Arial" panose="020B0604020202020204" pitchFamily="34" charset="0"/>
+                        <a:ea typeface="Arial" panose="020B0604020202020204" pitchFamily="34" charset="0"/>
+                        <a:cs typeface="Times New Roman" panose="02020603050405020304" pitchFamily="18" charset="0"/>
+                      </a:endParaRPr>
+                    </a:p>
+                  </a:txBody>
+                  <a:tcPr marL="44450" marR="44450" marT="0" marB="0" anchor="b"/>
+                </a:tc>
+                <a:extLst>
+                  <a:ext uri="{0D108BD9-81ED-4DB2-BD59-A6C34878D82A}">
+                    <a16:rowId xmlns:a16="http://schemas.microsoft.com/office/drawing/2014/main" val="2676230997"/>
+                  </a:ext>
+                </a:extLst>
+              </a:tr>
+            </a:tbl>
+          </a:graphicData>
+        </a:graphic>
+      </p:graphicFrame>
     </p:spTree>
     <p:extLst>
       <p:ext uri="{BB962C8B-B14F-4D97-AF65-F5344CB8AC3E}">
@@ -12545,15 +13871,7 @@
           <a:p>
             <a:r>
               <a:rPr lang="nl-BE" dirty="0"/>
-              <a:t>Auguste Van Nieuwenhuyzen (Tweader, Facebook</a:t>
-            </a:r>
-            <a:r>
-              <a:rPr lang="nl-BE" dirty="0"/>
-              <a:t> front-end</a:t>
-            </a:r>
-            <a:r>
-              <a:rPr lang="nl-BE" dirty="0"/>
-              <a:t>)</a:t>
+              <a:t>Auguste Van Nieuwenhuyzen (Tweader, Facebook front-end)</a:t>
             </a:r>
           </a:p>
         </p:txBody>
